--- a/less-1-上手.pptx
+++ b/less-1-上手.pptx
@@ -125,7 +125,7 @@
   </p:defaultTextStyle>
   <p:extLst>
     <p:ext uri="{EFAFB233-063F-42B5-8137-9DF3F51BA10A}">
-      <p15:sldGuideLst xmlns:p15="http://schemas.microsoft.com/office/powerpoint/2012/main" xmlns="">
+      <p15:sldGuideLst xmlns="" xmlns:p15="http://schemas.microsoft.com/office/powerpoint/2012/main">
         <p15:guide id="1" orient="horz" pos="2160">
           <p15:clr>
             <a:srgbClr val="A4A3A4"/>
@@ -224,7 +224,7 @@
           <a:p>
             <a:fld id="{918C987C-5DAD-4601-B625-55A3208473B0}" type="datetimeFigureOut">
               <a:rPr lang="zh-CN" altLang="en-US" smtClean="0"/>
-              <a:t>2018/12/5</a:t>
+              <a:t>2018/12/14</a:t>
             </a:fld>
             <a:endParaRPr lang="zh-CN" altLang="en-US"/>
           </a:p>
@@ -673,7 +673,7 @@
           <a:p>
             <a:fld id="{17C7C8FB-1C37-4023-AA22-09D5A8E13DCF}" type="datetimeFigureOut">
               <a:rPr lang="zh-CN" altLang="en-US" smtClean="0"/>
-              <a:t>2018/12/5</a:t>
+              <a:t>2018/12/14</a:t>
             </a:fld>
             <a:endParaRPr lang="zh-CN" altLang="en-US"/>
           </a:p>
@@ -843,7 +843,7 @@
           <a:p>
             <a:fld id="{17C7C8FB-1C37-4023-AA22-09D5A8E13DCF}" type="datetimeFigureOut">
               <a:rPr lang="zh-CN" altLang="en-US" smtClean="0"/>
-              <a:t>2018/12/5</a:t>
+              <a:t>2018/12/14</a:t>
             </a:fld>
             <a:endParaRPr lang="zh-CN" altLang="en-US"/>
           </a:p>
@@ -1023,7 +1023,7 @@
           <a:p>
             <a:fld id="{17C7C8FB-1C37-4023-AA22-09D5A8E13DCF}" type="datetimeFigureOut">
               <a:rPr lang="zh-CN" altLang="en-US" smtClean="0"/>
-              <a:t>2018/12/5</a:t>
+              <a:t>2018/12/14</a:t>
             </a:fld>
             <a:endParaRPr lang="zh-CN" altLang="en-US"/>
           </a:p>
@@ -1193,7 +1193,7 @@
           <a:p>
             <a:fld id="{17C7C8FB-1C37-4023-AA22-09D5A8E13DCF}" type="datetimeFigureOut">
               <a:rPr lang="zh-CN" altLang="en-US" smtClean="0"/>
-              <a:t>2018/12/5</a:t>
+              <a:t>2018/12/14</a:t>
             </a:fld>
             <a:endParaRPr lang="zh-CN" altLang="en-US"/>
           </a:p>
@@ -1439,7 +1439,7 @@
           <a:p>
             <a:fld id="{17C7C8FB-1C37-4023-AA22-09D5A8E13DCF}" type="datetimeFigureOut">
               <a:rPr lang="zh-CN" altLang="en-US" smtClean="0"/>
-              <a:t>2018/12/5</a:t>
+              <a:t>2018/12/14</a:t>
             </a:fld>
             <a:endParaRPr lang="zh-CN" altLang="en-US"/>
           </a:p>
@@ -1727,7 +1727,7 @@
           <a:p>
             <a:fld id="{17C7C8FB-1C37-4023-AA22-09D5A8E13DCF}" type="datetimeFigureOut">
               <a:rPr lang="zh-CN" altLang="en-US" smtClean="0"/>
-              <a:t>2018/12/5</a:t>
+              <a:t>2018/12/14</a:t>
             </a:fld>
             <a:endParaRPr lang="zh-CN" altLang="en-US"/>
           </a:p>
@@ -2149,7 +2149,7 @@
           <a:p>
             <a:fld id="{17C7C8FB-1C37-4023-AA22-09D5A8E13DCF}" type="datetimeFigureOut">
               <a:rPr lang="zh-CN" altLang="en-US" smtClean="0"/>
-              <a:t>2018/12/5</a:t>
+              <a:t>2018/12/14</a:t>
             </a:fld>
             <a:endParaRPr lang="zh-CN" altLang="en-US"/>
           </a:p>
@@ -2267,7 +2267,7 @@
           <a:p>
             <a:fld id="{17C7C8FB-1C37-4023-AA22-09D5A8E13DCF}" type="datetimeFigureOut">
               <a:rPr lang="zh-CN" altLang="en-US" smtClean="0"/>
-              <a:t>2018/12/5</a:t>
+              <a:t>2018/12/14</a:t>
             </a:fld>
             <a:endParaRPr lang="zh-CN" altLang="en-US"/>
           </a:p>
@@ -2362,7 +2362,7 @@
           <a:p>
             <a:fld id="{17C7C8FB-1C37-4023-AA22-09D5A8E13DCF}" type="datetimeFigureOut">
               <a:rPr lang="zh-CN" altLang="en-US" smtClean="0"/>
-              <a:t>2018/12/5</a:t>
+              <a:t>2018/12/14</a:t>
             </a:fld>
             <a:endParaRPr lang="zh-CN" altLang="en-US"/>
           </a:p>
@@ -2639,7 +2639,7 @@
           <a:p>
             <a:fld id="{17C7C8FB-1C37-4023-AA22-09D5A8E13DCF}" type="datetimeFigureOut">
               <a:rPr lang="zh-CN" altLang="en-US" smtClean="0"/>
-              <a:t>2018/12/5</a:t>
+              <a:t>2018/12/14</a:t>
             </a:fld>
             <a:endParaRPr lang="zh-CN" altLang="en-US"/>
           </a:p>
@@ -2892,7 +2892,7 @@
           <a:p>
             <a:fld id="{17C7C8FB-1C37-4023-AA22-09D5A8E13DCF}" type="datetimeFigureOut">
               <a:rPr lang="zh-CN" altLang="en-US" smtClean="0"/>
-              <a:t>2018/12/5</a:t>
+              <a:t>2018/12/14</a:t>
             </a:fld>
             <a:endParaRPr lang="zh-CN" altLang="en-US"/>
           </a:p>
@@ -3105,7 +3105,7 @@
           <a:p>
             <a:fld id="{17C7C8FB-1C37-4023-AA22-09D5A8E13DCF}" type="datetimeFigureOut">
               <a:rPr lang="zh-CN" altLang="en-US" smtClean="0"/>
-              <a:t>2018/12/5</a:t>
+              <a:t>2018/12/14</a:t>
             </a:fld>
             <a:endParaRPr lang="zh-CN" altLang="en-US"/>
           </a:p>
@@ -5613,20 +5613,7 @@
                 <a:latin typeface="微软雅黑" pitchFamily="34" charset="-122"/>
                 <a:ea typeface="微软雅黑" pitchFamily="34" charset="-122"/>
               </a:rPr>
-              <a:t>4</a:t>
-            </a:r>
-            <a:r>
-              <a:rPr lang="en-US" altLang="zh-CN" sz="2800" b="1" dirty="0" smtClean="0">
-                <a:solidFill>
-                  <a:schemeClr val="tx1">
-                    <a:lumMod val="75000"/>
-                    <a:lumOff val="25000"/>
-                  </a:schemeClr>
-                </a:solidFill>
-                <a:latin typeface="微软雅黑" pitchFamily="34" charset="-122"/>
-                <a:ea typeface="微软雅黑" pitchFamily="34" charset="-122"/>
-              </a:rPr>
-              <a:t>.</a:t>
+              <a:t>4.</a:t>
             </a:r>
             <a:r>
               <a:rPr lang="zh-CN" altLang="en-US" sz="2800" b="1" dirty="0" smtClean="0">
@@ -7236,20 +7223,7 @@
                 <a:latin typeface="微软雅黑" pitchFamily="34" charset="-122"/>
                 <a:ea typeface="微软雅黑" pitchFamily="34" charset="-122"/>
               </a:rPr>
-              <a:t>2</a:t>
-            </a:r>
-            <a:r>
-              <a:rPr lang="en-US" altLang="zh-CN" sz="2800" b="1" dirty="0" smtClean="0">
-                <a:solidFill>
-                  <a:schemeClr val="tx1">
-                    <a:lumMod val="75000"/>
-                    <a:lumOff val="25000"/>
-                  </a:schemeClr>
-                </a:solidFill>
-                <a:latin typeface="微软雅黑" pitchFamily="34" charset="-122"/>
-                <a:ea typeface="微软雅黑" pitchFamily="34" charset="-122"/>
-              </a:rPr>
-              <a:t>.</a:t>
+              <a:t>2.</a:t>
             </a:r>
             <a:r>
               <a:rPr lang="zh-CN" altLang="en-US" sz="2800" b="1" dirty="0" smtClean="0">
@@ -7386,20 +7360,7 @@
                 <a:latin typeface="微软雅黑" pitchFamily="34" charset="-122"/>
                 <a:ea typeface="微软雅黑" pitchFamily="34" charset="-122"/>
               </a:rPr>
-              <a:t>-less</a:t>
-            </a:r>
-            <a:r>
-              <a:rPr lang="en-US" altLang="zh-CN" sz="2800" b="1" dirty="0" smtClean="0">
-                <a:solidFill>
-                  <a:schemeClr val="tx1">
-                    <a:lumMod val="75000"/>
-                    <a:lumOff val="25000"/>
-                  </a:schemeClr>
-                </a:solidFill>
-                <a:latin typeface="微软雅黑" pitchFamily="34" charset="-122"/>
-                <a:ea typeface="微软雅黑" pitchFamily="34" charset="-122"/>
-              </a:rPr>
-              <a:t>, </a:t>
+              <a:t>-less, </a:t>
             </a:r>
             <a:r>
               <a:rPr lang="zh-CN" altLang="en-US" sz="2800" dirty="0" smtClean="0">
@@ -7464,59 +7425,7 @@
                 <a:latin typeface="微软雅黑" pitchFamily="34" charset="-122"/>
                 <a:ea typeface="微软雅黑" pitchFamily="34" charset="-122"/>
               </a:rPr>
-              <a:t>插件工具，这个方法非常简单，应该说是最好用的方法，只要在文件头部加上一个</a:t>
-            </a:r>
-            <a:r>
-              <a:rPr lang="zh-CN" altLang="en-US" sz="2800" dirty="0" smtClean="0">
-                <a:solidFill>
-                  <a:schemeClr val="tx1">
-                    <a:lumMod val="75000"/>
-                    <a:lumOff val="25000"/>
-                  </a:schemeClr>
-                </a:solidFill>
-                <a:latin typeface="微软雅黑" pitchFamily="34" charset="-122"/>
-                <a:ea typeface="微软雅黑" pitchFamily="34" charset="-122"/>
-              </a:rPr>
-              <a:t>命令并</a:t>
-            </a:r>
-            <a:r>
-              <a:rPr lang="zh-CN" altLang="en-US" sz="2800" dirty="0" smtClean="0">
-                <a:solidFill>
-                  <a:schemeClr val="tx1">
-                    <a:lumMod val="75000"/>
-                    <a:lumOff val="25000"/>
-                  </a:schemeClr>
-                </a:solidFill>
-                <a:latin typeface="微软雅黑" pitchFamily="34" charset="-122"/>
-                <a:ea typeface="微软雅黑" pitchFamily="34" charset="-122"/>
-              </a:rPr>
-              <a:t>保存，就</a:t>
-            </a:r>
-            <a:r>
-              <a:rPr lang="zh-CN" altLang="en-US" sz="2800" dirty="0" smtClean="0">
-                <a:solidFill>
-                  <a:schemeClr val="tx1">
-                    <a:lumMod val="75000"/>
-                    <a:lumOff val="25000"/>
-                  </a:schemeClr>
-                </a:solidFill>
-                <a:latin typeface="微软雅黑" pitchFamily="34" charset="-122"/>
-                <a:ea typeface="微软雅黑" pitchFamily="34" charset="-122"/>
-              </a:rPr>
-              <a:t>直接</a:t>
-            </a:r>
-            <a:r>
-              <a:rPr lang="zh-CN" altLang="en-US" sz="2800" dirty="0" smtClean="0">
-                <a:solidFill>
-                  <a:schemeClr val="tx1">
-                    <a:lumMod val="75000"/>
-                    <a:lumOff val="25000"/>
-                  </a:schemeClr>
-                </a:solidFill>
-                <a:latin typeface="微软雅黑" pitchFamily="34" charset="-122"/>
-                <a:ea typeface="微软雅黑" pitchFamily="34" charset="-122"/>
-              </a:rPr>
-              <a:t>就可以将</a:t>
+              <a:t>插件工具，这个方法非常简单，应该说是最好用的方法，只要在文件头部加上一个命令并保存，就直接就可以将</a:t>
             </a:r>
             <a:r>
               <a:rPr lang="en-US" altLang="zh-CN" sz="2800" dirty="0" smtClean="0">
@@ -7923,11 +7832,7 @@
             <a:pPr algn="ctr"/>
             <a:r>
               <a:rPr lang="zh-CN" altLang="en-US" dirty="0" smtClean="0"/>
-              <a:t>搜索</a:t>
-            </a:r>
-            <a:r>
-              <a:rPr lang="zh-CN" altLang="en-US" dirty="0" smtClean="0"/>
-              <a:t>并安装插件</a:t>
+              <a:t>搜索并安装插件</a:t>
             </a:r>
             <a:endParaRPr lang="zh-CN" altLang="en-US" dirty="0"/>
           </a:p>
@@ -7985,11 +7890,7 @@
             </a:r>
             <a:r>
               <a:rPr lang="zh-CN" altLang="en-US" dirty="0" smtClean="0"/>
-              <a:t>菜单</a:t>
-            </a:r>
-            <a:r>
-              <a:rPr lang="zh-CN" altLang="en-US" dirty="0" smtClean="0"/>
-              <a:t>或快捷键</a:t>
+              <a:t>菜单或快捷键</a:t>
             </a:r>
             <a:r>
               <a:rPr lang="en-US" altLang="zh-CN" dirty="0" smtClean="0"/>
@@ -8647,7 +8548,7 @@
                 <a:latin typeface="微软雅黑" pitchFamily="34" charset="-122"/>
                 <a:ea typeface="微软雅黑" pitchFamily="34" charset="-122"/>
               </a:rPr>
-              <a:t>文件</a:t>
+              <a:t>文件（选读）</a:t>
             </a:r>
             <a:endParaRPr lang="en-US" altLang="zh-CN" sz="2800" b="1" dirty="0" smtClean="0">
               <a:solidFill>
@@ -10327,7 +10228,7 @@
   <a:extraClrSchemeLst/>
   <a:extLst>
     <a:ext uri="{05A4C25C-085E-4340-85A3-A5531E510DB2}">
-      <thm15:themeFamily xmlns:thm15="http://schemas.microsoft.com/office/thememl/2012/main" xmlns="" name="Office Theme" id="{62F939B6-93AF-4DB8-9C6B-D6C7DFDC589F}" vid="{4A3C46E8-61CC-4603-A589-7422A47A8E4A}"/>
+      <thm15:themeFamily xmlns="" xmlns:thm15="http://schemas.microsoft.com/office/thememl/2012/main" name="Office Theme" id="{62F939B6-93AF-4DB8-9C6B-D6C7DFDC589F}" vid="{4A3C46E8-61CC-4603-A589-7422A47A8E4A}"/>
     </a:ext>
   </a:extLst>
 </a:theme>
